--- a/오보에 최종프로젝트 발표.pptx
+++ b/오보에 최종프로젝트 발표.pptx
@@ -5,7 +5,7 @@
     <p:sldMasterId id="2147483696" r:id="rId1"/>
   </p:sldMasterIdLst>
   <p:notesMasterIdLst>
-    <p:notesMasterId r:id="rId38"/>
+    <p:notesMasterId r:id="rId42"/>
   </p:notesMasterIdLst>
   <p:sldIdLst>
     <p:sldId id="257" r:id="rId2"/>
@@ -41,9 +41,13 @@
     <p:sldId id="288" r:id="rId32"/>
     <p:sldId id="297" r:id="rId33"/>
     <p:sldId id="293" r:id="rId34"/>
-    <p:sldId id="290" r:id="rId35"/>
-    <p:sldId id="291" r:id="rId36"/>
-    <p:sldId id="292" r:id="rId37"/>
+    <p:sldId id="298" r:id="rId35"/>
+    <p:sldId id="299" r:id="rId36"/>
+    <p:sldId id="301" r:id="rId37"/>
+    <p:sldId id="300" r:id="rId38"/>
+    <p:sldId id="291" r:id="rId39"/>
+    <p:sldId id="292" r:id="rId40"/>
+    <p:sldId id="302" r:id="rId41"/>
   </p:sldIdLst>
   <p:sldSz cx="12192000" cy="6858000"/>
   <p:notesSz cx="6858000" cy="9144000"/>
@@ -672,7 +676,7 @@
           <a:p>
             <a:fld id="{E55894BA-D2E4-4560-A91B-FDE496F752AA}" type="slidenum">
               <a:rPr lang="ko-KR" altLang="en-US" smtClean="0"/>
-              <a:t>36</a:t>
+              <a:t>39</a:t>
             </a:fld>
             <a:endParaRPr lang="ko-KR" altLang="en-US"/>
           </a:p>
@@ -691,9 +695,125 @@
 </p:notes>
 </file>
 
+<file path=ppt/notesSlides/notesSlide3.xml><?xml version="1.0" encoding="utf-8"?>
+<p:notes xmlns:a="http://schemas.openxmlformats.org/drawingml/2006/main" xmlns:r="http://schemas.openxmlformats.org/officeDocument/2006/relationships" xmlns:p="http://schemas.openxmlformats.org/presentationml/2006/main">
+  <p:cSld>
+    <p:spTree>
+      <p:nvGrpSpPr>
+        <p:cNvPr id="1" name="">
+          <a:extLst>
+            <a:ext uri="{FF2B5EF4-FFF2-40B4-BE49-F238E27FC236}">
+              <a16:creationId xmlns:a16="http://schemas.microsoft.com/office/drawing/2014/main" id="{C6BC2CF4-FF14-25C1-9211-36B22A7DF50C}"/>
+            </a:ext>
+          </a:extLst>
+        </p:cNvPr>
+        <p:cNvGrpSpPr/>
+        <p:nvPr/>
+      </p:nvGrpSpPr>
+      <p:grpSpPr>
+        <a:xfrm>
+          <a:off x="0" y="0"/>
+          <a:ext cx="0" cy="0"/>
+          <a:chOff x="0" y="0"/>
+          <a:chExt cx="0" cy="0"/>
+        </a:xfrm>
+      </p:grpSpPr>
+      <p:sp>
+        <p:nvSpPr>
+          <p:cNvPr id="2" name="슬라이드 이미지 개체 틀 1">
+            <a:extLst>
+              <a:ext uri="{FF2B5EF4-FFF2-40B4-BE49-F238E27FC236}">
+                <a16:creationId xmlns:a16="http://schemas.microsoft.com/office/drawing/2014/main" id="{DFF6EF3D-3D8E-C4D1-D37A-E6EB376D5379}"/>
+              </a:ext>
+            </a:extLst>
+          </p:cNvPr>
+          <p:cNvSpPr>
+            <a:spLocks noGrp="1" noRot="1" noChangeAspect="1"/>
+          </p:cNvSpPr>
+          <p:nvPr>
+            <p:ph type="sldImg"/>
+          </p:nvPr>
+        </p:nvSpPr>
+        <p:spPr/>
+      </p:sp>
+      <p:sp>
+        <p:nvSpPr>
+          <p:cNvPr id="3" name="슬라이드 노트 개체 틀 2">
+            <a:extLst>
+              <a:ext uri="{FF2B5EF4-FFF2-40B4-BE49-F238E27FC236}">
+                <a16:creationId xmlns:a16="http://schemas.microsoft.com/office/drawing/2014/main" id="{D088710D-921E-4F41-2DDE-426668BBDBBD}"/>
+              </a:ext>
+            </a:extLst>
+          </p:cNvPr>
+          <p:cNvSpPr>
+            <a:spLocks noGrp="1"/>
+          </p:cNvSpPr>
+          <p:nvPr>
+            <p:ph type="body" idx="1"/>
+          </p:nvPr>
+        </p:nvSpPr>
+        <p:spPr/>
+        <p:txBody>
+          <a:bodyPr/>
+          <a:lstStyle/>
+          <a:p>
+            <a:endParaRPr lang="ko-KR" altLang="en-US" dirty="0"/>
+          </a:p>
+        </p:txBody>
+      </p:sp>
+      <p:sp>
+        <p:nvSpPr>
+          <p:cNvPr id="4" name="슬라이드 번호 개체 틀 3">
+            <a:extLst>
+              <a:ext uri="{FF2B5EF4-FFF2-40B4-BE49-F238E27FC236}">
+                <a16:creationId xmlns:a16="http://schemas.microsoft.com/office/drawing/2014/main" id="{B7B05562-B9CD-5D6C-D1A1-F0FE6517D671}"/>
+              </a:ext>
+            </a:extLst>
+          </p:cNvPr>
+          <p:cNvSpPr>
+            <a:spLocks noGrp="1"/>
+          </p:cNvSpPr>
+          <p:nvPr>
+            <p:ph type="sldNum" sz="quarter" idx="5"/>
+          </p:nvPr>
+        </p:nvSpPr>
+        <p:spPr/>
+        <p:txBody>
+          <a:bodyPr/>
+          <a:lstStyle/>
+          <a:p>
+            <a:fld id="{E55894BA-D2E4-4560-A91B-FDE496F752AA}" type="slidenum">
+              <a:rPr lang="ko-KR" altLang="en-US" smtClean="0"/>
+              <a:t>40</a:t>
+            </a:fld>
+            <a:endParaRPr lang="ko-KR" altLang="en-US"/>
+          </a:p>
+        </p:txBody>
+      </p:sp>
+    </p:spTree>
+    <p:extLst>
+      <p:ext uri="{BB962C8B-B14F-4D97-AF65-F5344CB8AC3E}">
+        <p14:creationId xmlns:p14="http://schemas.microsoft.com/office/powerpoint/2010/main" val="1062001283"/>
+      </p:ext>
+    </p:extLst>
+  </p:cSld>
+  <p:clrMapOvr>
+    <a:masterClrMapping/>
+  </p:clrMapOvr>
+</p:notes>
+</file>
+
 <file path=ppt/slideLayouts/slideLayout1.xml><?xml version="1.0" encoding="utf-8"?>
 <p:sldLayout xmlns:a="http://schemas.openxmlformats.org/drawingml/2006/main" xmlns:r="http://schemas.openxmlformats.org/officeDocument/2006/relationships" xmlns:p="http://schemas.openxmlformats.org/presentationml/2006/main" type="title" preserve="1">
   <p:cSld name="제목 슬라이드">
+    <p:bg>
+      <p:bgPr>
+        <a:solidFill>
+          <a:schemeClr val="tx1"/>
+        </a:solidFill>
+        <a:effectLst/>
+      </p:bgPr>
+    </p:bg>
     <p:spTree>
       <p:nvGrpSpPr>
         <p:cNvPr id="1" name=""/>
@@ -13354,7 +13474,7 @@
         </p:blipFill>
         <p:spPr>
           <a:xfrm>
-            <a:off x="1080772" y="4873436"/>
+            <a:off x="888781" y="4591412"/>
             <a:ext cx="10293066" cy="1074361"/>
           </a:xfrm>
           <a:prstGeom prst="rect">
@@ -13403,7 +13523,7 @@
         <p:cNvPr id="1" name="">
           <a:extLst>
             <a:ext uri="{FF2B5EF4-FFF2-40B4-BE49-F238E27FC236}">
-              <a16:creationId xmlns:a16="http://schemas.microsoft.com/office/drawing/2014/main" id="{DC0146DB-4F88-2993-C729-1B4C3D3C0C07}"/>
+              <a16:creationId xmlns:a16="http://schemas.microsoft.com/office/drawing/2014/main" id="{59841A43-A848-E77D-070C-4C519A3CA8DF}"/>
             </a:ext>
           </a:extLst>
         </p:cNvPr>
@@ -13423,7 +13543,7 @@
           <p:cNvPr id="5" name="AutoShape 2" descr="오보에(앨범) - 나무위키">
             <a:extLst>
               <a:ext uri="{FF2B5EF4-FFF2-40B4-BE49-F238E27FC236}">
-                <a16:creationId xmlns:a16="http://schemas.microsoft.com/office/drawing/2014/main" id="{04FE96D7-CEED-701B-8CFE-C2B079F66A79}"/>
+                <a16:creationId xmlns:a16="http://schemas.microsoft.com/office/drawing/2014/main" id="{EC0F4058-9979-EA2A-DD39-A2CA0C1787B6}"/>
               </a:ext>
             </a:extLst>
           </p:cNvPr>
@@ -13468,7 +13588,7 @@
           <p:cNvPr id="2" name="AutoShape 2" descr="오보에(앨범) - 나무위키">
             <a:extLst>
               <a:ext uri="{FF2B5EF4-FFF2-40B4-BE49-F238E27FC236}">
-                <a16:creationId xmlns:a16="http://schemas.microsoft.com/office/drawing/2014/main" id="{21A59BC4-B35D-73A7-0C3F-6BC1192C5850}"/>
+                <a16:creationId xmlns:a16="http://schemas.microsoft.com/office/drawing/2014/main" id="{E25A2937-2886-933F-13B6-CFA6D55CED08}"/>
               </a:ext>
             </a:extLst>
           </p:cNvPr>
@@ -13510,10 +13630,10 @@
       </p:sp>
       <p:pic>
         <p:nvPicPr>
-          <p:cNvPr id="3" name="그림 2">
-            <a:extLst>
-              <a:ext uri="{FF2B5EF4-FFF2-40B4-BE49-F238E27FC236}">
-                <a16:creationId xmlns:a16="http://schemas.microsoft.com/office/drawing/2014/main" id="{13B85671-3EE7-D211-75EF-414C9B0FD440}"/>
+          <p:cNvPr id="7" name="그림 6">
+            <a:extLst>
+              <a:ext uri="{FF2B5EF4-FFF2-40B4-BE49-F238E27FC236}">
+                <a16:creationId xmlns:a16="http://schemas.microsoft.com/office/drawing/2014/main" id="{2A1D89E0-BBAB-B933-D49B-EA6539BF0677}"/>
               </a:ext>
             </a:extLst>
           </p:cNvPr>
@@ -13530,20 +13650,220 @@
         </p:blipFill>
         <p:spPr>
           <a:xfrm>
-            <a:off x="889580" y="685656"/>
-            <a:ext cx="6047316" cy="747546"/>
+            <a:off x="1638894" y="1276397"/>
+            <a:ext cx="8609412" cy="1141160"/>
           </a:xfrm>
           <a:prstGeom prst="rect">
             <a:avLst/>
           </a:prstGeom>
         </p:spPr>
       </p:pic>
+      <p:sp>
+        <p:nvSpPr>
+          <p:cNvPr id="8" name="TextBox 7">
+            <a:extLst>
+              <a:ext uri="{FF2B5EF4-FFF2-40B4-BE49-F238E27FC236}">
+                <a16:creationId xmlns:a16="http://schemas.microsoft.com/office/drawing/2014/main" id="{AC668A2F-9D55-5AF3-56B9-A2373FF8905B}"/>
+              </a:ext>
+            </a:extLst>
+          </p:cNvPr>
+          <p:cNvSpPr txBox="1"/>
+          <p:nvPr/>
+        </p:nvSpPr>
+        <p:spPr>
+          <a:xfrm>
+            <a:off x="445047" y="168227"/>
+            <a:ext cx="10365709" cy="716030"/>
+          </a:xfrm>
+          <a:prstGeom prst="rect">
+            <a:avLst/>
+          </a:prstGeom>
+          <a:noFill/>
+        </p:spPr>
+        <p:txBody>
+          <a:bodyPr wrap="square">
+            <a:spAutoFit/>
+          </a:bodyPr>
+          <a:lstStyle/>
+          <a:p>
+            <a:pPr>
+              <a:lnSpc>
+                <a:spcPct val="150000"/>
+              </a:lnSpc>
+            </a:pPr>
+            <a:r>
+              <a:rPr lang="ko-KR" altLang="en-US" sz="3200" b="1">
+                <a:solidFill>
+                  <a:schemeClr val="bg1"/>
+                </a:solidFill>
+                <a:latin typeface="HY헤드라인M" panose="02030600000101010101" pitchFamily="18" charset="-127"/>
+                <a:ea typeface="HY헤드라인M" panose="02030600000101010101" pitchFamily="18" charset="-127"/>
+              </a:rPr>
+              <a:t>사용자와 상호작용</a:t>
+            </a:r>
+            <a:endParaRPr lang="ko-KR" altLang="en-US" sz="3200" b="1" dirty="0">
+              <a:solidFill>
+                <a:schemeClr val="bg1"/>
+              </a:solidFill>
+              <a:latin typeface="HY헤드라인M" panose="02030600000101010101" pitchFamily="18" charset="-127"/>
+              <a:ea typeface="HY헤드라인M" panose="02030600000101010101" pitchFamily="18" charset="-127"/>
+            </a:endParaRPr>
+          </a:p>
+        </p:txBody>
+      </p:sp>
+      <p:sp>
+        <p:nvSpPr>
+          <p:cNvPr id="18" name="사각형: 둥근 모서리 17">
+            <a:extLst>
+              <a:ext uri="{FF2B5EF4-FFF2-40B4-BE49-F238E27FC236}">
+                <a16:creationId xmlns:a16="http://schemas.microsoft.com/office/drawing/2014/main" id="{42FC9D67-8884-6C26-F706-AC36F5702C81}"/>
+              </a:ext>
+            </a:extLst>
+          </p:cNvPr>
+          <p:cNvSpPr/>
+          <p:nvPr/>
+        </p:nvSpPr>
+        <p:spPr>
+          <a:xfrm>
+            <a:off x="165319" y="2657941"/>
+            <a:ext cx="3842794" cy="3565003"/>
+          </a:xfrm>
+          <a:prstGeom prst="roundRect">
+            <a:avLst/>
+          </a:prstGeom>
+          <a:solidFill>
+            <a:schemeClr val="bg1"/>
+          </a:solidFill>
+        </p:spPr>
+        <p:style>
+          <a:lnRef idx="2">
+            <a:schemeClr val="accent1">
+              <a:shade val="15000"/>
+            </a:schemeClr>
+          </a:lnRef>
+          <a:fillRef idx="1">
+            <a:schemeClr val="accent1"/>
+          </a:fillRef>
+          <a:effectRef idx="0">
+            <a:schemeClr val="accent1"/>
+          </a:effectRef>
+          <a:fontRef idx="minor">
+            <a:schemeClr val="lt1"/>
+          </a:fontRef>
+        </p:style>
+        <p:txBody>
+          <a:bodyPr rtlCol="0" anchor="ctr"/>
+          <a:lstStyle/>
+          <a:p>
+            <a:pPr algn="ctr"/>
+            <a:endParaRPr lang="ko-KR" altLang="en-US"/>
+          </a:p>
+        </p:txBody>
+      </p:sp>
+      <p:sp>
+        <p:nvSpPr>
+          <p:cNvPr id="19" name="사각형: 둥근 모서리 18">
+            <a:extLst>
+              <a:ext uri="{FF2B5EF4-FFF2-40B4-BE49-F238E27FC236}">
+                <a16:creationId xmlns:a16="http://schemas.microsoft.com/office/drawing/2014/main" id="{8B67BB80-80D3-14B5-D32D-77D580274E8A}"/>
+              </a:ext>
+            </a:extLst>
+          </p:cNvPr>
+          <p:cNvSpPr/>
+          <p:nvPr/>
+        </p:nvSpPr>
+        <p:spPr>
+          <a:xfrm>
+            <a:off x="4146741" y="2657941"/>
+            <a:ext cx="3842794" cy="3565003"/>
+          </a:xfrm>
+          <a:prstGeom prst="roundRect">
+            <a:avLst/>
+          </a:prstGeom>
+          <a:solidFill>
+            <a:schemeClr val="bg1"/>
+          </a:solidFill>
+        </p:spPr>
+        <p:style>
+          <a:lnRef idx="2">
+            <a:schemeClr val="accent1">
+              <a:shade val="15000"/>
+            </a:schemeClr>
+          </a:lnRef>
+          <a:fillRef idx="1">
+            <a:schemeClr val="accent1"/>
+          </a:fillRef>
+          <a:effectRef idx="0">
+            <a:schemeClr val="accent1"/>
+          </a:effectRef>
+          <a:fontRef idx="minor">
+            <a:schemeClr val="lt1"/>
+          </a:fontRef>
+        </p:style>
+        <p:txBody>
+          <a:bodyPr rtlCol="0" anchor="ctr"/>
+          <a:lstStyle/>
+          <a:p>
+            <a:pPr algn="ctr"/>
+            <a:endParaRPr lang="ko-KR" altLang="en-US"/>
+          </a:p>
+        </p:txBody>
+      </p:sp>
+      <p:sp>
+        <p:nvSpPr>
+          <p:cNvPr id="20" name="사각형: 둥근 모서리 19">
+            <a:extLst>
+              <a:ext uri="{FF2B5EF4-FFF2-40B4-BE49-F238E27FC236}">
+                <a16:creationId xmlns:a16="http://schemas.microsoft.com/office/drawing/2014/main" id="{2CB8AB22-0113-35F1-DE34-A277B8FD3D81}"/>
+              </a:ext>
+            </a:extLst>
+          </p:cNvPr>
+          <p:cNvSpPr/>
+          <p:nvPr/>
+        </p:nvSpPr>
+        <p:spPr>
+          <a:xfrm>
+            <a:off x="8162888" y="2657941"/>
+            <a:ext cx="3842794" cy="3565003"/>
+          </a:xfrm>
+          <a:prstGeom prst="roundRect">
+            <a:avLst/>
+          </a:prstGeom>
+          <a:solidFill>
+            <a:schemeClr val="bg1"/>
+          </a:solidFill>
+        </p:spPr>
+        <p:style>
+          <a:lnRef idx="2">
+            <a:schemeClr val="accent1">
+              <a:shade val="15000"/>
+            </a:schemeClr>
+          </a:lnRef>
+          <a:fillRef idx="1">
+            <a:schemeClr val="accent1"/>
+          </a:fillRef>
+          <a:effectRef idx="0">
+            <a:schemeClr val="accent1"/>
+          </a:effectRef>
+          <a:fontRef idx="minor">
+            <a:schemeClr val="lt1"/>
+          </a:fontRef>
+        </p:style>
+        <p:txBody>
+          <a:bodyPr rtlCol="0" anchor="ctr"/>
+          <a:lstStyle/>
+          <a:p>
+            <a:pPr algn="ctr"/>
+            <a:endParaRPr lang="ko-KR" altLang="en-US"/>
+          </a:p>
+        </p:txBody>
+      </p:sp>
       <p:pic>
         <p:nvPicPr>
-          <p:cNvPr id="6" name="그림 5">
-            <a:extLst>
-              <a:ext uri="{FF2B5EF4-FFF2-40B4-BE49-F238E27FC236}">
-                <a16:creationId xmlns:a16="http://schemas.microsoft.com/office/drawing/2014/main" id="{969B9097-8248-A80B-1CFE-7665EAA39CD3}"/>
+          <p:cNvPr id="22" name="그림 21">
+            <a:extLst>
+              <a:ext uri="{FF2B5EF4-FFF2-40B4-BE49-F238E27FC236}">
+                <a16:creationId xmlns:a16="http://schemas.microsoft.com/office/drawing/2014/main" id="{0EAA9FB7-A31C-5124-D506-CA1CF467EC7C}"/>
               </a:ext>
             </a:extLst>
           </p:cNvPr>
@@ -13560,18 +13880,183 @@
         </p:blipFill>
         <p:spPr>
           <a:xfrm>
-            <a:off x="2295306" y="1928067"/>
-            <a:ext cx="7601388" cy="4142408"/>
+            <a:off x="368923" y="3115696"/>
+            <a:ext cx="3309236" cy="1284181"/>
           </a:xfrm>
           <a:prstGeom prst="rect">
             <a:avLst/>
           </a:prstGeom>
         </p:spPr>
       </p:pic>
+      <p:sp>
+        <p:nvSpPr>
+          <p:cNvPr id="24" name="TextBox 23">
+            <a:extLst>
+              <a:ext uri="{FF2B5EF4-FFF2-40B4-BE49-F238E27FC236}">
+                <a16:creationId xmlns:a16="http://schemas.microsoft.com/office/drawing/2014/main" id="{42E27DD6-230A-A697-A3E7-81871B418BE5}"/>
+              </a:ext>
+            </a:extLst>
+          </p:cNvPr>
+          <p:cNvSpPr txBox="1"/>
+          <p:nvPr/>
+        </p:nvSpPr>
+        <p:spPr>
+          <a:xfrm>
+            <a:off x="368923" y="4440442"/>
+            <a:ext cx="3658667" cy="1200329"/>
+          </a:xfrm>
+          <a:prstGeom prst="rect">
+            <a:avLst/>
+          </a:prstGeom>
+          <a:noFill/>
+        </p:spPr>
+        <p:txBody>
+          <a:bodyPr wrap="square">
+            <a:spAutoFit/>
+          </a:bodyPr>
+          <a:lstStyle/>
+          <a:p>
+            <a:r>
+              <a:rPr lang="ko-KR" altLang="en-US" b="1" i="0" dirty="0">
+                <a:effectLst/>
+                <a:latin typeface="HY헤드라인M" panose="02030600000101010101" pitchFamily="18" charset="-127"/>
+                <a:ea typeface="HY헤드라인M" panose="02030600000101010101" pitchFamily="18" charset="-127"/>
+              </a:rPr>
+              <a:t>분류나 자동 완성 등 낮은 지연 시간이 요구되는 작업에 최적화</a:t>
+            </a:r>
+            <a:r>
+              <a:rPr lang="en-US" altLang="ko-KR" b="1" i="0" dirty="0">
+                <a:effectLst/>
+                <a:latin typeface="HY헤드라인M" panose="02030600000101010101" pitchFamily="18" charset="-127"/>
+                <a:ea typeface="HY헤드라인M" panose="02030600000101010101" pitchFamily="18" charset="-127"/>
+              </a:rPr>
+              <a:t>, </a:t>
+            </a:r>
+            <a:r>
+              <a:rPr lang="ko-KR" altLang="en-US" b="1" i="0" dirty="0">
+                <a:effectLst/>
+                <a:latin typeface="HY헤드라인M" panose="02030600000101010101" pitchFamily="18" charset="-127"/>
+                <a:ea typeface="HY헤드라인M" panose="02030600000101010101" pitchFamily="18" charset="-127"/>
+              </a:rPr>
+              <a:t>동시에 대량의 데이터를 처리할 수 있는 뛰어난 용량을 제공</a:t>
+            </a:r>
+            <a:endParaRPr lang="ko-KR" altLang="en-US" b="1" dirty="0">
+              <a:latin typeface="HY헤드라인M" panose="02030600000101010101" pitchFamily="18" charset="-127"/>
+              <a:ea typeface="HY헤드라인M" panose="02030600000101010101" pitchFamily="18" charset="-127"/>
+            </a:endParaRPr>
+          </a:p>
+        </p:txBody>
+      </p:sp>
+      <p:sp>
+        <p:nvSpPr>
+          <p:cNvPr id="25" name="TextBox 24">
+            <a:extLst>
+              <a:ext uri="{FF2B5EF4-FFF2-40B4-BE49-F238E27FC236}">
+                <a16:creationId xmlns:a16="http://schemas.microsoft.com/office/drawing/2014/main" id="{1EC22963-AC24-C653-D4C7-FAFDCD406674}"/>
+              </a:ext>
+            </a:extLst>
+          </p:cNvPr>
+          <p:cNvSpPr txBox="1"/>
+          <p:nvPr/>
+        </p:nvSpPr>
+        <p:spPr>
+          <a:xfrm>
+            <a:off x="4238804" y="3932675"/>
+            <a:ext cx="3658667" cy="646331"/>
+          </a:xfrm>
+          <a:prstGeom prst="rect">
+            <a:avLst/>
+          </a:prstGeom>
+          <a:noFill/>
+        </p:spPr>
+        <p:txBody>
+          <a:bodyPr wrap="square">
+            <a:spAutoFit/>
+          </a:bodyPr>
+          <a:lstStyle/>
+          <a:p>
+            <a:pPr algn="ctr"/>
+            <a:r>
+              <a:rPr lang="en-US" altLang="ko-KR" b="1" dirty="0">
+                <a:latin typeface="HY헤드라인M" panose="02030600000101010101" pitchFamily="18" charset="-127"/>
+                <a:ea typeface="HY헤드라인M" panose="02030600000101010101" pitchFamily="18" charset="-127"/>
+              </a:rPr>
+              <a:t>Temperature = 0.7</a:t>
+            </a:r>
+            <a:r>
+              <a:rPr lang="ko-KR" altLang="en-US" b="1" dirty="0">
+                <a:latin typeface="HY헤드라인M" panose="02030600000101010101" pitchFamily="18" charset="-127"/>
+                <a:ea typeface="HY헤드라인M" panose="02030600000101010101" pitchFamily="18" charset="-127"/>
+              </a:rPr>
+              <a:t>로 나름 창의적인 답변을 제공</a:t>
+            </a:r>
+          </a:p>
+        </p:txBody>
+      </p:sp>
+      <p:sp>
+        <p:nvSpPr>
+          <p:cNvPr id="26" name="TextBox 25">
+            <a:extLst>
+              <a:ext uri="{FF2B5EF4-FFF2-40B4-BE49-F238E27FC236}">
+                <a16:creationId xmlns:a16="http://schemas.microsoft.com/office/drawing/2014/main" id="{6C7DDDEB-4EAA-F741-0887-BD8F1D273FC2}"/>
+              </a:ext>
+            </a:extLst>
+          </p:cNvPr>
+          <p:cNvSpPr txBox="1"/>
+          <p:nvPr/>
+        </p:nvSpPr>
+        <p:spPr>
+          <a:xfrm>
+            <a:off x="8254951" y="3932675"/>
+            <a:ext cx="3658667" cy="646331"/>
+          </a:xfrm>
+          <a:prstGeom prst="rect">
+            <a:avLst/>
+          </a:prstGeom>
+          <a:noFill/>
+        </p:spPr>
+        <p:txBody>
+          <a:bodyPr wrap="square">
+            <a:spAutoFit/>
+          </a:bodyPr>
+          <a:lstStyle/>
+          <a:p>
+            <a:pPr algn="ctr"/>
+            <a:r>
+              <a:rPr lang="en-US" altLang="ko-KR" b="1" dirty="0">
+                <a:latin typeface="HY헤드라인M" panose="02030600000101010101" pitchFamily="18" charset="-127"/>
+                <a:ea typeface="HY헤드라인M" panose="02030600000101010101" pitchFamily="18" charset="-127"/>
+              </a:rPr>
+              <a:t>Streaming=True</a:t>
+            </a:r>
+            <a:r>
+              <a:rPr lang="ko-KR" altLang="en-US" b="1" dirty="0">
+                <a:latin typeface="HY헤드라인M" panose="02030600000101010101" pitchFamily="18" charset="-127"/>
+                <a:ea typeface="HY헤드라인M" panose="02030600000101010101" pitchFamily="18" charset="-127"/>
+              </a:rPr>
+              <a:t>로 </a:t>
+            </a:r>
+            <a:r>
+              <a:rPr lang="ko-KR" altLang="en-US" b="1" dirty="0" err="1">
+                <a:latin typeface="HY헤드라인M" panose="02030600000101010101" pitchFamily="18" charset="-127"/>
+                <a:ea typeface="HY헤드라인M" panose="02030600000101010101" pitchFamily="18" charset="-127"/>
+              </a:rPr>
+              <a:t>타이핑하는게</a:t>
+            </a:r>
+            <a:r>
+              <a:rPr lang="ko-KR" altLang="en-US" b="1" dirty="0">
+                <a:latin typeface="HY헤드라인M" panose="02030600000101010101" pitchFamily="18" charset="-127"/>
+                <a:ea typeface="HY헤드라인M" panose="02030600000101010101" pitchFamily="18" charset="-127"/>
+              </a:rPr>
+              <a:t> 보이게 설정</a:t>
+            </a:r>
+          </a:p>
+        </p:txBody>
+      </p:sp>
     </p:spTree>
     <p:extLst>
       <p:ext uri="{BB962C8B-B14F-4D97-AF65-F5344CB8AC3E}">
-        <p14:creationId xmlns:p14="http://schemas.microsoft.com/office/powerpoint/2010/main" val="1092211864"/>
+        <p14:creationId xmlns:p14="http://schemas.microsoft.com/office/powerpoint/2010/main" val="4015323312"/>
       </p:ext>
     </p:extLst>
   </p:cSld>
@@ -13609,6 +14094,1032 @@
         <p:cNvPr id="1" name="">
           <a:extLst>
             <a:ext uri="{FF2B5EF4-FFF2-40B4-BE49-F238E27FC236}">
+              <a16:creationId xmlns:a16="http://schemas.microsoft.com/office/drawing/2014/main" id="{D4966D49-C017-490C-458C-096654310608}"/>
+            </a:ext>
+          </a:extLst>
+        </p:cNvPr>
+        <p:cNvGrpSpPr/>
+        <p:nvPr/>
+      </p:nvGrpSpPr>
+      <p:grpSpPr>
+        <a:xfrm>
+          <a:off x="0" y="0"/>
+          <a:ext cx="0" cy="0"/>
+          <a:chOff x="0" y="0"/>
+          <a:chExt cx="0" cy="0"/>
+        </a:xfrm>
+      </p:grpSpPr>
+      <p:sp>
+        <p:nvSpPr>
+          <p:cNvPr id="5" name="AutoShape 2" descr="오보에(앨범) - 나무위키">
+            <a:extLst>
+              <a:ext uri="{FF2B5EF4-FFF2-40B4-BE49-F238E27FC236}">
+                <a16:creationId xmlns:a16="http://schemas.microsoft.com/office/drawing/2014/main" id="{F7B26826-B865-7FC4-3328-EDAEA8293E72}"/>
+              </a:ext>
+            </a:extLst>
+          </p:cNvPr>
+          <p:cNvSpPr>
+            <a:spLocks noChangeAspect="1" noChangeArrowheads="1"/>
+          </p:cNvSpPr>
+          <p:nvPr/>
+        </p:nvSpPr>
+        <p:spPr bwMode="auto">
+          <a:xfrm>
+            <a:off x="5943600" y="3276600"/>
+            <a:ext cx="2946400" cy="2946400"/>
+          </a:xfrm>
+          <a:prstGeom prst="rect">
+            <a:avLst/>
+          </a:prstGeom>
+          <a:noFill/>
+          <a:extLst>
+            <a:ext uri="{909E8E84-426E-40DD-AFC4-6F175D3DCCD1}">
+              <a14:hiddenFill xmlns:a14="http://schemas.microsoft.com/office/drawing/2010/main">
+                <a:solidFill>
+                  <a:srgbClr val="FFFFFF"/>
+                </a:solidFill>
+              </a14:hiddenFill>
+            </a:ext>
+          </a:extLst>
+        </p:spPr>
+        <p:txBody>
+          <a:bodyPr vert="horz" wrap="square" lIns="91440" tIns="45720" rIns="91440" bIns="45720" numCol="1" anchor="t" anchorCtr="0" compatLnSpc="1">
+            <a:prstTxWarp prst="textNoShape">
+              <a:avLst/>
+            </a:prstTxWarp>
+          </a:bodyPr>
+          <a:lstStyle/>
+          <a:p>
+            <a:endParaRPr lang="ko-KR" altLang="en-US"/>
+          </a:p>
+        </p:txBody>
+      </p:sp>
+      <p:sp>
+        <p:nvSpPr>
+          <p:cNvPr id="2" name="AutoShape 2" descr="오보에(앨범) - 나무위키">
+            <a:extLst>
+              <a:ext uri="{FF2B5EF4-FFF2-40B4-BE49-F238E27FC236}">
+                <a16:creationId xmlns:a16="http://schemas.microsoft.com/office/drawing/2014/main" id="{C19FEE75-8C19-294C-4C36-3092F54B2404}"/>
+              </a:ext>
+            </a:extLst>
+          </p:cNvPr>
+          <p:cNvSpPr>
+            <a:spLocks noChangeAspect="1" noChangeArrowheads="1"/>
+          </p:cNvSpPr>
+          <p:nvPr/>
+        </p:nvSpPr>
+        <p:spPr bwMode="auto">
+          <a:xfrm>
+            <a:off x="5943600" y="3276600"/>
+            <a:ext cx="304800" cy="304800"/>
+          </a:xfrm>
+          <a:prstGeom prst="rect">
+            <a:avLst/>
+          </a:prstGeom>
+          <a:noFill/>
+          <a:extLst>
+            <a:ext uri="{909E8E84-426E-40DD-AFC4-6F175D3DCCD1}">
+              <a14:hiddenFill xmlns:a14="http://schemas.microsoft.com/office/drawing/2010/main">
+                <a:solidFill>
+                  <a:srgbClr val="FFFFFF"/>
+                </a:solidFill>
+              </a14:hiddenFill>
+            </a:ext>
+          </a:extLst>
+        </p:spPr>
+        <p:txBody>
+          <a:bodyPr vert="horz" wrap="square" lIns="91440" tIns="45720" rIns="91440" bIns="45720" numCol="1" anchor="t" anchorCtr="0" compatLnSpc="1">
+            <a:prstTxWarp prst="textNoShape">
+              <a:avLst/>
+            </a:prstTxWarp>
+          </a:bodyPr>
+          <a:lstStyle/>
+          <a:p>
+            <a:endParaRPr lang="ko-KR" altLang="en-US"/>
+          </a:p>
+        </p:txBody>
+      </p:sp>
+      <p:pic>
+        <p:nvPicPr>
+          <p:cNvPr id="4" name="그림 3">
+            <a:extLst>
+              <a:ext uri="{FF2B5EF4-FFF2-40B4-BE49-F238E27FC236}">
+                <a16:creationId xmlns:a16="http://schemas.microsoft.com/office/drawing/2014/main" id="{B832DF0E-3EF7-8313-ABED-9C1BEFD5408E}"/>
+              </a:ext>
+            </a:extLst>
+          </p:cNvPr>
+          <p:cNvPicPr>
+            <a:picLocks noChangeAspect="1"/>
+          </p:cNvPicPr>
+          <p:nvPr/>
+        </p:nvPicPr>
+        <p:blipFill>
+          <a:blip r:embed="rId2"/>
+          <a:stretch>
+            <a:fillRect/>
+          </a:stretch>
+        </p:blipFill>
+        <p:spPr>
+          <a:xfrm>
+            <a:off x="0" y="371831"/>
+            <a:ext cx="12310685" cy="5809537"/>
+          </a:xfrm>
+          <a:prstGeom prst="rect">
+            <a:avLst/>
+          </a:prstGeom>
+        </p:spPr>
+      </p:pic>
+      <p:pic>
+        <p:nvPicPr>
+          <p:cNvPr id="7" name="그림 6">
+            <a:extLst>
+              <a:ext uri="{FF2B5EF4-FFF2-40B4-BE49-F238E27FC236}">
+                <a16:creationId xmlns:a16="http://schemas.microsoft.com/office/drawing/2014/main" id="{4315CFA7-0406-443B-C927-D92A5FAFBB4B}"/>
+              </a:ext>
+            </a:extLst>
+          </p:cNvPr>
+          <p:cNvPicPr>
+            <a:picLocks noChangeAspect="1"/>
+          </p:cNvPicPr>
+          <p:nvPr/>
+        </p:nvPicPr>
+        <p:blipFill>
+          <a:blip r:embed="rId3"/>
+          <a:stretch>
+            <a:fillRect/>
+          </a:stretch>
+        </p:blipFill>
+        <p:spPr>
+          <a:xfrm>
+            <a:off x="18839" y="3867856"/>
+            <a:ext cx="2570489" cy="2316898"/>
+          </a:xfrm>
+          <a:prstGeom prst="rect">
+            <a:avLst/>
+          </a:prstGeom>
+        </p:spPr>
+      </p:pic>
+    </p:spTree>
+    <p:extLst>
+      <p:ext uri="{BB962C8B-B14F-4D97-AF65-F5344CB8AC3E}">
+        <p14:creationId xmlns:p14="http://schemas.microsoft.com/office/powerpoint/2010/main" val="2006226933"/>
+      </p:ext>
+    </p:extLst>
+  </p:cSld>
+  <p:clrMapOvr>
+    <a:masterClrMapping/>
+  </p:clrMapOvr>
+  <mc:AlternateContent xmlns:mc="http://schemas.openxmlformats.org/markup-compatibility/2006" xmlns:p159="http://schemas.microsoft.com/office/powerpoint/2015/09/main">
+    <mc:Choice Requires="p159">
+      <p:transition xmlns:p14="http://schemas.microsoft.com/office/powerpoint/2010/main" spd="slow" p14:dur="2000">
+        <p159:morph option="byObject"/>
+      </p:transition>
+    </mc:Choice>
+    <mc:Fallback xmlns="">
+      <p:transition spd="slow">
+        <p:fade/>
+      </p:transition>
+    </mc:Fallback>
+  </mc:AlternateContent>
+</p:sld>
+</file>
+
+<file path=ppt/slides/slide36.xml><?xml version="1.0" encoding="utf-8"?>
+<p:sld xmlns:a="http://schemas.openxmlformats.org/drawingml/2006/main" xmlns:r="http://schemas.openxmlformats.org/officeDocument/2006/relationships" xmlns:p="http://schemas.openxmlformats.org/presentationml/2006/main">
+  <p:cSld>
+    <p:spTree>
+      <p:nvGrpSpPr>
+        <p:cNvPr id="1" name="">
+          <a:extLst>
+            <a:ext uri="{FF2B5EF4-FFF2-40B4-BE49-F238E27FC236}">
+              <a16:creationId xmlns:a16="http://schemas.microsoft.com/office/drawing/2014/main" id="{8BF0BB37-141C-F1F4-06B4-C5D44BA27D00}"/>
+            </a:ext>
+          </a:extLst>
+        </p:cNvPr>
+        <p:cNvGrpSpPr/>
+        <p:nvPr/>
+      </p:nvGrpSpPr>
+      <p:grpSpPr>
+        <a:xfrm>
+          <a:off x="0" y="0"/>
+          <a:ext cx="0" cy="0"/>
+          <a:chOff x="0" y="0"/>
+          <a:chExt cx="0" cy="0"/>
+        </a:xfrm>
+      </p:grpSpPr>
+      <p:sp>
+        <p:nvSpPr>
+          <p:cNvPr id="5" name="AutoShape 2" descr="오보에(앨범) - 나무위키">
+            <a:extLst>
+              <a:ext uri="{FF2B5EF4-FFF2-40B4-BE49-F238E27FC236}">
+                <a16:creationId xmlns:a16="http://schemas.microsoft.com/office/drawing/2014/main" id="{46D1A512-6699-C360-7B61-B2CF59131BC9}"/>
+              </a:ext>
+            </a:extLst>
+          </p:cNvPr>
+          <p:cNvSpPr>
+            <a:spLocks noChangeAspect="1" noChangeArrowheads="1"/>
+          </p:cNvSpPr>
+          <p:nvPr/>
+        </p:nvSpPr>
+        <p:spPr bwMode="auto">
+          <a:xfrm>
+            <a:off x="5943600" y="3276600"/>
+            <a:ext cx="2946400" cy="2946400"/>
+          </a:xfrm>
+          <a:prstGeom prst="rect">
+            <a:avLst/>
+          </a:prstGeom>
+          <a:noFill/>
+          <a:extLst>
+            <a:ext uri="{909E8E84-426E-40DD-AFC4-6F175D3DCCD1}">
+              <a14:hiddenFill xmlns:a14="http://schemas.microsoft.com/office/drawing/2010/main">
+                <a:solidFill>
+                  <a:srgbClr val="FFFFFF"/>
+                </a:solidFill>
+              </a14:hiddenFill>
+            </a:ext>
+          </a:extLst>
+        </p:spPr>
+        <p:txBody>
+          <a:bodyPr vert="horz" wrap="square" lIns="91440" tIns="45720" rIns="91440" bIns="45720" numCol="1" anchor="t" anchorCtr="0" compatLnSpc="1">
+            <a:prstTxWarp prst="textNoShape">
+              <a:avLst/>
+            </a:prstTxWarp>
+          </a:bodyPr>
+          <a:lstStyle/>
+          <a:p>
+            <a:endParaRPr lang="ko-KR" altLang="en-US"/>
+          </a:p>
+        </p:txBody>
+      </p:sp>
+      <p:sp>
+        <p:nvSpPr>
+          <p:cNvPr id="2" name="AutoShape 2" descr="오보에(앨범) - 나무위키">
+            <a:extLst>
+              <a:ext uri="{FF2B5EF4-FFF2-40B4-BE49-F238E27FC236}">
+                <a16:creationId xmlns:a16="http://schemas.microsoft.com/office/drawing/2014/main" id="{A1AD06D3-F748-5870-0C34-9E82B437C368}"/>
+              </a:ext>
+            </a:extLst>
+          </p:cNvPr>
+          <p:cNvSpPr>
+            <a:spLocks noChangeAspect="1" noChangeArrowheads="1"/>
+          </p:cNvSpPr>
+          <p:nvPr/>
+        </p:nvSpPr>
+        <p:spPr bwMode="auto">
+          <a:xfrm>
+            <a:off x="5943600" y="3276600"/>
+            <a:ext cx="304800" cy="304800"/>
+          </a:xfrm>
+          <a:prstGeom prst="rect">
+            <a:avLst/>
+          </a:prstGeom>
+          <a:noFill/>
+          <a:extLst>
+            <a:ext uri="{909E8E84-426E-40DD-AFC4-6F175D3DCCD1}">
+              <a14:hiddenFill xmlns:a14="http://schemas.microsoft.com/office/drawing/2010/main">
+                <a:solidFill>
+                  <a:srgbClr val="FFFFFF"/>
+                </a:solidFill>
+              </a14:hiddenFill>
+            </a:ext>
+          </a:extLst>
+        </p:spPr>
+        <p:txBody>
+          <a:bodyPr vert="horz" wrap="square" lIns="91440" tIns="45720" rIns="91440" bIns="45720" numCol="1" anchor="t" anchorCtr="0" compatLnSpc="1">
+            <a:prstTxWarp prst="textNoShape">
+              <a:avLst/>
+            </a:prstTxWarp>
+          </a:bodyPr>
+          <a:lstStyle/>
+          <a:p>
+            <a:endParaRPr lang="ko-KR" altLang="en-US"/>
+          </a:p>
+        </p:txBody>
+      </p:sp>
+      <p:pic>
+        <p:nvPicPr>
+          <p:cNvPr id="10" name="그림 9">
+            <a:extLst>
+              <a:ext uri="{FF2B5EF4-FFF2-40B4-BE49-F238E27FC236}">
+                <a16:creationId xmlns:a16="http://schemas.microsoft.com/office/drawing/2014/main" id="{FF095CBC-1C07-953C-4D41-654C52C0FA2E}"/>
+              </a:ext>
+            </a:extLst>
+          </p:cNvPr>
+          <p:cNvPicPr>
+            <a:picLocks noChangeAspect="1"/>
+          </p:cNvPicPr>
+          <p:nvPr/>
+        </p:nvPicPr>
+        <p:blipFill>
+          <a:blip r:embed="rId2"/>
+          <a:stretch>
+            <a:fillRect/>
+          </a:stretch>
+        </p:blipFill>
+        <p:spPr>
+          <a:xfrm>
+            <a:off x="-152480" y="157067"/>
+            <a:ext cx="12496959" cy="2677920"/>
+          </a:xfrm>
+          <a:prstGeom prst="rect">
+            <a:avLst/>
+          </a:prstGeom>
+        </p:spPr>
+      </p:pic>
+      <p:sp>
+        <p:nvSpPr>
+          <p:cNvPr id="12" name="TextBox 11">
+            <a:extLst>
+              <a:ext uri="{FF2B5EF4-FFF2-40B4-BE49-F238E27FC236}">
+                <a16:creationId xmlns:a16="http://schemas.microsoft.com/office/drawing/2014/main" id="{9106A762-6A5E-4546-62C4-7C19A749DA72}"/>
+              </a:ext>
+            </a:extLst>
+          </p:cNvPr>
+          <p:cNvSpPr txBox="1"/>
+          <p:nvPr/>
+        </p:nvSpPr>
+        <p:spPr>
+          <a:xfrm>
+            <a:off x="281264" y="3558050"/>
+            <a:ext cx="11293420" cy="858697"/>
+          </a:xfrm>
+          <a:prstGeom prst="rect">
+            <a:avLst/>
+          </a:prstGeom>
+          <a:noFill/>
+        </p:spPr>
+        <p:txBody>
+          <a:bodyPr wrap="square">
+            <a:spAutoFit/>
+          </a:bodyPr>
+          <a:lstStyle/>
+          <a:p>
+            <a:pPr>
+              <a:lnSpc>
+                <a:spcPct val="150000"/>
+              </a:lnSpc>
+            </a:pPr>
+            <a:r>
+              <a:rPr lang="en-US" altLang="ko-KR" b="1" dirty="0">
+                <a:solidFill>
+                  <a:schemeClr val="bg1"/>
+                </a:solidFill>
+                <a:latin typeface="HY헤드라인M" panose="02030600000101010101" pitchFamily="18" charset="-127"/>
+                <a:ea typeface="HY헤드라인M" panose="02030600000101010101" pitchFamily="18" charset="-127"/>
+              </a:rPr>
+              <a:t>"</a:t>
+            </a:r>
+            <a:r>
+              <a:rPr lang="ko-KR" altLang="en-US" b="1" dirty="0">
+                <a:solidFill>
+                  <a:schemeClr val="bg1"/>
+                </a:solidFill>
+                <a:latin typeface="HY헤드라인M" panose="02030600000101010101" pitchFamily="18" charset="-127"/>
+                <a:ea typeface="HY헤드라인M" panose="02030600000101010101" pitchFamily="18" charset="-127"/>
+              </a:rPr>
+              <a:t>질문과 가장 관련성 높은 자료 </a:t>
+            </a:r>
+            <a:r>
+              <a:rPr lang="en-US" altLang="ko-KR" b="1" dirty="0">
+                <a:solidFill>
+                  <a:schemeClr val="bg1"/>
+                </a:solidFill>
+                <a:latin typeface="HY헤드라인M" panose="02030600000101010101" pitchFamily="18" charset="-127"/>
+                <a:ea typeface="HY헤드라인M" panose="02030600000101010101" pitchFamily="18" charset="-127"/>
+              </a:rPr>
+              <a:t>5</a:t>
+            </a:r>
+            <a:r>
+              <a:rPr lang="ko-KR" altLang="en-US" b="1" dirty="0">
+                <a:solidFill>
+                  <a:schemeClr val="bg1"/>
+                </a:solidFill>
+                <a:latin typeface="HY헤드라인M" panose="02030600000101010101" pitchFamily="18" charset="-127"/>
+                <a:ea typeface="HY헤드라인M" panose="02030600000101010101" pitchFamily="18" charset="-127"/>
+              </a:rPr>
+              <a:t>개를 찾아오세요</a:t>
+            </a:r>
+            <a:r>
+              <a:rPr lang="en-US" altLang="ko-KR" b="1" dirty="0">
+                <a:solidFill>
+                  <a:schemeClr val="bg1"/>
+                </a:solidFill>
+                <a:latin typeface="HY헤드라인M" panose="02030600000101010101" pitchFamily="18" charset="-127"/>
+                <a:ea typeface="HY헤드라인M" panose="02030600000101010101" pitchFamily="18" charset="-127"/>
+              </a:rPr>
+              <a:t>"</a:t>
+            </a:r>
+            <a:r>
+              <a:rPr lang="ko-KR" altLang="en-US" b="1" dirty="0">
+                <a:solidFill>
+                  <a:schemeClr val="bg1"/>
+                </a:solidFill>
+                <a:latin typeface="HY헤드라인M" panose="02030600000101010101" pitchFamily="18" charset="-127"/>
+                <a:ea typeface="HY헤드라인M" panose="02030600000101010101" pitchFamily="18" charset="-127"/>
+              </a:rPr>
+              <a:t>라는 구체적인 지시로</a:t>
+            </a:r>
+            <a:r>
+              <a:rPr lang="en-US" altLang="ko-KR" b="1" dirty="0">
+                <a:solidFill>
+                  <a:schemeClr val="bg1"/>
+                </a:solidFill>
+                <a:latin typeface="HY헤드라인M" panose="02030600000101010101" pitchFamily="18" charset="-127"/>
+                <a:ea typeface="HY헤드라인M" panose="02030600000101010101" pitchFamily="18" charset="-127"/>
+              </a:rPr>
+              <a:t> </a:t>
+            </a:r>
+            <a:r>
+              <a:rPr lang="ko-KR" altLang="en-US" b="1" dirty="0" err="1">
+                <a:solidFill>
+                  <a:schemeClr val="bg1"/>
+                </a:solidFill>
+                <a:latin typeface="HY헤드라인M" panose="02030600000101010101" pitchFamily="18" charset="-127"/>
+                <a:ea typeface="HY헤드라인M" panose="02030600000101010101" pitchFamily="18" charset="-127"/>
+              </a:rPr>
+              <a:t>챗봇은</a:t>
+            </a:r>
+            <a:r>
+              <a:rPr lang="ko-KR" altLang="en-US" b="1" dirty="0">
+                <a:solidFill>
+                  <a:schemeClr val="bg1"/>
+                </a:solidFill>
+                <a:latin typeface="HY헤드라인M" panose="02030600000101010101" pitchFamily="18" charset="-127"/>
+                <a:ea typeface="HY헤드라인M" panose="02030600000101010101" pitchFamily="18" charset="-127"/>
+              </a:rPr>
+              <a:t> </a:t>
+            </a:r>
+            <a:r>
+              <a:rPr lang="en-US" altLang="ko-KR" b="1" dirty="0">
+                <a:solidFill>
+                  <a:schemeClr val="bg1"/>
+                </a:solidFill>
+                <a:latin typeface="HY헤드라인M" panose="02030600000101010101" pitchFamily="18" charset="-127"/>
+                <a:ea typeface="HY헤드라인M" panose="02030600000101010101" pitchFamily="18" charset="-127"/>
+              </a:rPr>
+              <a:t>PDF</a:t>
+            </a:r>
+            <a:r>
+              <a:rPr lang="ko-KR" altLang="en-US" b="1" dirty="0">
+                <a:solidFill>
+                  <a:schemeClr val="bg1"/>
+                </a:solidFill>
+                <a:latin typeface="HY헤드라인M" panose="02030600000101010101" pitchFamily="18" charset="-127"/>
+                <a:ea typeface="HY헤드라인M" panose="02030600000101010101" pitchFamily="18" charset="-127"/>
+              </a:rPr>
+              <a:t>에 있는 정확한 내용을 기반으로 답변</a:t>
+            </a:r>
+          </a:p>
+        </p:txBody>
+      </p:sp>
+      <p:pic>
+        <p:nvPicPr>
+          <p:cNvPr id="14" name="그림 13">
+            <a:extLst>
+              <a:ext uri="{FF2B5EF4-FFF2-40B4-BE49-F238E27FC236}">
+                <a16:creationId xmlns:a16="http://schemas.microsoft.com/office/drawing/2014/main" id="{DE729CEA-B376-1613-2F40-C5EE9A066652}"/>
+              </a:ext>
+            </a:extLst>
+          </p:cNvPr>
+          <p:cNvPicPr>
+            <a:picLocks noChangeAspect="1"/>
+          </p:cNvPicPr>
+          <p:nvPr/>
+        </p:nvPicPr>
+        <p:blipFill>
+          <a:blip r:embed="rId3"/>
+          <a:stretch>
+            <a:fillRect/>
+          </a:stretch>
+        </p:blipFill>
+        <p:spPr>
+          <a:xfrm>
+            <a:off x="281264" y="3103384"/>
+            <a:ext cx="10446538" cy="421912"/>
+          </a:xfrm>
+          <a:prstGeom prst="rect">
+            <a:avLst/>
+          </a:prstGeom>
+        </p:spPr>
+      </p:pic>
+      <p:pic>
+        <p:nvPicPr>
+          <p:cNvPr id="16" name="그림 15">
+            <a:extLst>
+              <a:ext uri="{FF2B5EF4-FFF2-40B4-BE49-F238E27FC236}">
+                <a16:creationId xmlns:a16="http://schemas.microsoft.com/office/drawing/2014/main" id="{AD09855B-392F-70CB-7E94-50AEAEB04B6B}"/>
+              </a:ext>
+            </a:extLst>
+          </p:cNvPr>
+          <p:cNvPicPr>
+            <a:picLocks noChangeAspect="1"/>
+          </p:cNvPicPr>
+          <p:nvPr/>
+        </p:nvPicPr>
+        <p:blipFill>
+          <a:blip r:embed="rId4"/>
+          <a:stretch>
+            <a:fillRect/>
+          </a:stretch>
+        </p:blipFill>
+        <p:spPr>
+          <a:xfrm>
+            <a:off x="36285" y="4548954"/>
+            <a:ext cx="12096285" cy="329669"/>
+          </a:xfrm>
+          <a:prstGeom prst="rect">
+            <a:avLst/>
+          </a:prstGeom>
+        </p:spPr>
+      </p:pic>
+      <p:pic>
+        <p:nvPicPr>
+          <p:cNvPr id="18" name="그림 17">
+            <a:extLst>
+              <a:ext uri="{FF2B5EF4-FFF2-40B4-BE49-F238E27FC236}">
+                <a16:creationId xmlns:a16="http://schemas.microsoft.com/office/drawing/2014/main" id="{16B6D9C8-A19C-8FA4-36B7-06F444192169}"/>
+              </a:ext>
+            </a:extLst>
+          </p:cNvPr>
+          <p:cNvPicPr>
+            <a:picLocks noChangeAspect="1"/>
+          </p:cNvPicPr>
+          <p:nvPr/>
+        </p:nvPicPr>
+        <p:blipFill>
+          <a:blip r:embed="rId5"/>
+          <a:stretch>
+            <a:fillRect/>
+          </a:stretch>
+        </p:blipFill>
+        <p:spPr>
+          <a:xfrm>
+            <a:off x="148588" y="5154831"/>
+            <a:ext cx="5927688" cy="474216"/>
+          </a:xfrm>
+          <a:prstGeom prst="rect">
+            <a:avLst/>
+          </a:prstGeom>
+        </p:spPr>
+      </p:pic>
+      <p:sp>
+        <p:nvSpPr>
+          <p:cNvPr id="20" name="TextBox 19">
+            <a:extLst>
+              <a:ext uri="{FF2B5EF4-FFF2-40B4-BE49-F238E27FC236}">
+                <a16:creationId xmlns:a16="http://schemas.microsoft.com/office/drawing/2014/main" id="{F9DD52A3-4843-8F1E-631F-FDB8EFBE93B7}"/>
+              </a:ext>
+            </a:extLst>
+          </p:cNvPr>
+          <p:cNvSpPr txBox="1"/>
+          <p:nvPr/>
+        </p:nvSpPr>
+        <p:spPr>
+          <a:xfrm>
+            <a:off x="6248400" y="5154831"/>
+            <a:ext cx="6250328" cy="369332"/>
+          </a:xfrm>
+          <a:prstGeom prst="rect">
+            <a:avLst/>
+          </a:prstGeom>
+          <a:noFill/>
+        </p:spPr>
+        <p:txBody>
+          <a:bodyPr wrap="square">
+            <a:spAutoFit/>
+          </a:bodyPr>
+          <a:lstStyle/>
+          <a:p>
+            <a:r>
+              <a:rPr lang="ko-KR" altLang="en-US" dirty="0">
+                <a:solidFill>
+                  <a:schemeClr val="bg1"/>
+                </a:solidFill>
+                <a:latin typeface="HY헤드라인M" panose="02030600000101010101" pitchFamily="18" charset="-127"/>
+                <a:ea typeface="HY헤드라인M" panose="02030600000101010101" pitchFamily="18" charset="-127"/>
+              </a:rPr>
+              <a:t>직접 만든 </a:t>
+            </a:r>
+            <a:r>
+              <a:rPr lang="en-US" altLang="ko-KR" dirty="0">
+                <a:solidFill>
+                  <a:schemeClr val="bg1"/>
+                </a:solidFill>
+                <a:latin typeface="HY헤드라인M" panose="02030600000101010101" pitchFamily="18" charset="-127"/>
+                <a:ea typeface="HY헤드라인M" panose="02030600000101010101" pitchFamily="18" charset="-127"/>
+              </a:rPr>
+              <a:t>PROMPT</a:t>
+            </a:r>
+            <a:r>
+              <a:rPr lang="ko-KR" altLang="en-US" dirty="0">
+                <a:solidFill>
+                  <a:schemeClr val="bg1"/>
+                </a:solidFill>
+                <a:latin typeface="HY헤드라인M" panose="02030600000101010101" pitchFamily="18" charset="-127"/>
+                <a:ea typeface="HY헤드라인M" panose="02030600000101010101" pitchFamily="18" charset="-127"/>
+              </a:rPr>
+              <a:t>의 규칙을 따르도록 강제</a:t>
+            </a:r>
+          </a:p>
+        </p:txBody>
+      </p:sp>
+    </p:spTree>
+    <p:extLst>
+      <p:ext uri="{BB962C8B-B14F-4D97-AF65-F5344CB8AC3E}">
+        <p14:creationId xmlns:p14="http://schemas.microsoft.com/office/powerpoint/2010/main" val="2078480681"/>
+      </p:ext>
+    </p:extLst>
+  </p:cSld>
+  <p:clrMapOvr>
+    <a:masterClrMapping/>
+  </p:clrMapOvr>
+  <mc:AlternateContent xmlns:mc="http://schemas.openxmlformats.org/markup-compatibility/2006" xmlns:p159="http://schemas.microsoft.com/office/powerpoint/2015/09/main">
+    <mc:Choice Requires="p159">
+      <p:transition xmlns:p14="http://schemas.microsoft.com/office/powerpoint/2010/main" spd="slow" p14:dur="2000">
+        <p159:morph option="byObject"/>
+      </p:transition>
+    </mc:Choice>
+    <mc:Fallback xmlns="">
+      <p:transition spd="slow">
+        <p:fade/>
+      </p:transition>
+    </mc:Fallback>
+  </mc:AlternateContent>
+</p:sld>
+</file>
+
+<file path=ppt/slides/slide37.xml><?xml version="1.0" encoding="utf-8"?>
+<p:sld xmlns:a="http://schemas.openxmlformats.org/drawingml/2006/main" xmlns:r="http://schemas.openxmlformats.org/officeDocument/2006/relationships" xmlns:p="http://schemas.openxmlformats.org/presentationml/2006/main">
+  <p:cSld>
+    <p:bg>
+      <p:bgPr>
+        <a:solidFill>
+          <a:schemeClr val="tx1"/>
+        </a:solidFill>
+        <a:effectLst/>
+      </p:bgPr>
+    </p:bg>
+    <p:spTree>
+      <p:nvGrpSpPr>
+        <p:cNvPr id="1" name="">
+          <a:extLst>
+            <a:ext uri="{FF2B5EF4-FFF2-40B4-BE49-F238E27FC236}">
+              <a16:creationId xmlns:a16="http://schemas.microsoft.com/office/drawing/2014/main" id="{5887DEFD-253C-5AD1-40BB-8C4347711BFF}"/>
+            </a:ext>
+          </a:extLst>
+        </p:cNvPr>
+        <p:cNvGrpSpPr/>
+        <p:nvPr/>
+      </p:nvGrpSpPr>
+      <p:grpSpPr>
+        <a:xfrm>
+          <a:off x="0" y="0"/>
+          <a:ext cx="0" cy="0"/>
+          <a:chOff x="0" y="0"/>
+          <a:chExt cx="0" cy="0"/>
+        </a:xfrm>
+      </p:grpSpPr>
+      <p:sp>
+        <p:nvSpPr>
+          <p:cNvPr id="5" name="AutoShape 2" descr="오보에(앨범) - 나무위키">
+            <a:extLst>
+              <a:ext uri="{FF2B5EF4-FFF2-40B4-BE49-F238E27FC236}">
+                <a16:creationId xmlns:a16="http://schemas.microsoft.com/office/drawing/2014/main" id="{113DCE4D-5878-5FA0-50CC-F16DDB4BFDFD}"/>
+              </a:ext>
+            </a:extLst>
+          </p:cNvPr>
+          <p:cNvSpPr>
+            <a:spLocks noChangeAspect="1" noChangeArrowheads="1"/>
+          </p:cNvSpPr>
+          <p:nvPr/>
+        </p:nvSpPr>
+        <p:spPr bwMode="auto">
+          <a:xfrm>
+            <a:off x="5943600" y="3276600"/>
+            <a:ext cx="2946400" cy="2946400"/>
+          </a:xfrm>
+          <a:prstGeom prst="rect">
+            <a:avLst/>
+          </a:prstGeom>
+          <a:noFill/>
+          <a:extLst>
+            <a:ext uri="{909E8E84-426E-40DD-AFC4-6F175D3DCCD1}">
+              <a14:hiddenFill xmlns:a14="http://schemas.microsoft.com/office/drawing/2010/main">
+                <a:solidFill>
+                  <a:srgbClr val="FFFFFF"/>
+                </a:solidFill>
+              </a14:hiddenFill>
+            </a:ext>
+          </a:extLst>
+        </p:spPr>
+        <p:txBody>
+          <a:bodyPr vert="horz" wrap="square" lIns="91440" tIns="45720" rIns="91440" bIns="45720" numCol="1" anchor="t" anchorCtr="0" compatLnSpc="1">
+            <a:prstTxWarp prst="textNoShape">
+              <a:avLst/>
+            </a:prstTxWarp>
+          </a:bodyPr>
+          <a:lstStyle/>
+          <a:p>
+            <a:endParaRPr lang="ko-KR" altLang="en-US"/>
+          </a:p>
+        </p:txBody>
+      </p:sp>
+      <p:sp>
+        <p:nvSpPr>
+          <p:cNvPr id="2" name="AutoShape 2" descr="오보에(앨범) - 나무위키">
+            <a:extLst>
+              <a:ext uri="{FF2B5EF4-FFF2-40B4-BE49-F238E27FC236}">
+                <a16:creationId xmlns:a16="http://schemas.microsoft.com/office/drawing/2014/main" id="{B2AAAEA4-C436-1FB9-828F-330830D30930}"/>
+              </a:ext>
+            </a:extLst>
+          </p:cNvPr>
+          <p:cNvSpPr>
+            <a:spLocks noChangeAspect="1" noChangeArrowheads="1"/>
+          </p:cNvSpPr>
+          <p:nvPr/>
+        </p:nvSpPr>
+        <p:spPr bwMode="auto">
+          <a:xfrm>
+            <a:off x="5943600" y="3276600"/>
+            <a:ext cx="304800" cy="304800"/>
+          </a:xfrm>
+          <a:prstGeom prst="rect">
+            <a:avLst/>
+          </a:prstGeom>
+          <a:noFill/>
+          <a:extLst>
+            <a:ext uri="{909E8E84-426E-40DD-AFC4-6F175D3DCCD1}">
+              <a14:hiddenFill xmlns:a14="http://schemas.microsoft.com/office/drawing/2010/main">
+                <a:solidFill>
+                  <a:srgbClr val="FFFFFF"/>
+                </a:solidFill>
+              </a14:hiddenFill>
+            </a:ext>
+          </a:extLst>
+        </p:spPr>
+        <p:txBody>
+          <a:bodyPr vert="horz" wrap="square" lIns="91440" tIns="45720" rIns="91440" bIns="45720" numCol="1" anchor="t" anchorCtr="0" compatLnSpc="1">
+            <a:prstTxWarp prst="textNoShape">
+              <a:avLst/>
+            </a:prstTxWarp>
+          </a:bodyPr>
+          <a:lstStyle/>
+          <a:p>
+            <a:endParaRPr lang="ko-KR" altLang="en-US"/>
+          </a:p>
+        </p:txBody>
+      </p:sp>
+      <p:pic>
+        <p:nvPicPr>
+          <p:cNvPr id="6" name="그림 5">
+            <a:extLst>
+              <a:ext uri="{FF2B5EF4-FFF2-40B4-BE49-F238E27FC236}">
+                <a16:creationId xmlns:a16="http://schemas.microsoft.com/office/drawing/2014/main" id="{839A69F8-577A-2B1C-1C22-7D668EC5E59F}"/>
+              </a:ext>
+            </a:extLst>
+          </p:cNvPr>
+          <p:cNvPicPr>
+            <a:picLocks noChangeAspect="1"/>
+          </p:cNvPicPr>
+          <p:nvPr/>
+        </p:nvPicPr>
+        <p:blipFill>
+          <a:blip r:embed="rId2"/>
+          <a:stretch>
+            <a:fillRect/>
+          </a:stretch>
+        </p:blipFill>
+        <p:spPr>
+          <a:xfrm>
+            <a:off x="127465" y="1114728"/>
+            <a:ext cx="7601388" cy="4142408"/>
+          </a:xfrm>
+          <a:prstGeom prst="rect">
+            <a:avLst/>
+          </a:prstGeom>
+        </p:spPr>
+      </p:pic>
+      <p:sp>
+        <p:nvSpPr>
+          <p:cNvPr id="10" name="TextBox 9">
+            <a:extLst>
+              <a:ext uri="{FF2B5EF4-FFF2-40B4-BE49-F238E27FC236}">
+                <a16:creationId xmlns:a16="http://schemas.microsoft.com/office/drawing/2014/main" id="{04C5BE27-C2C5-7C2F-4CDA-FEF0956A91FF}"/>
+              </a:ext>
+            </a:extLst>
+          </p:cNvPr>
+          <p:cNvSpPr txBox="1"/>
+          <p:nvPr/>
+        </p:nvSpPr>
+        <p:spPr>
+          <a:xfrm>
+            <a:off x="7986532" y="1844249"/>
+            <a:ext cx="4078003" cy="2520690"/>
+          </a:xfrm>
+          <a:prstGeom prst="rect">
+            <a:avLst/>
+          </a:prstGeom>
+          <a:noFill/>
+        </p:spPr>
+        <p:txBody>
+          <a:bodyPr wrap="square">
+            <a:spAutoFit/>
+          </a:bodyPr>
+          <a:lstStyle/>
+          <a:p>
+            <a:pPr>
+              <a:lnSpc>
+                <a:spcPct val="150000"/>
+              </a:lnSpc>
+              <a:buNone/>
+            </a:pPr>
+            <a:r>
+              <a:rPr lang="en-US" altLang="ko-KR" b="1" dirty="0" err="1">
+                <a:solidFill>
+                  <a:schemeClr val="bg1"/>
+                </a:solidFill>
+                <a:latin typeface="HY견고딕" panose="02030600000101010101" pitchFamily="18" charset="-127"/>
+                <a:ea typeface="HY견고딕" panose="02030600000101010101" pitchFamily="18" charset="-127"/>
+              </a:rPr>
+              <a:t>ConversationalRetrievalChain</a:t>
+            </a:r>
+            <a:r>
+              <a:rPr lang="en-US" altLang="ko-KR" b="1" dirty="0">
+                <a:solidFill>
+                  <a:schemeClr val="bg1"/>
+                </a:solidFill>
+                <a:latin typeface="HY견고딕" panose="02030600000101010101" pitchFamily="18" charset="-127"/>
+                <a:ea typeface="HY견고딕" panose="02030600000101010101" pitchFamily="18" charset="-127"/>
+              </a:rPr>
+              <a:t> (5.43s / 5,143t)</a:t>
+            </a:r>
+            <a:endParaRPr lang="ko-KR" altLang="en-US" b="1" dirty="0">
+              <a:solidFill>
+                <a:schemeClr val="bg1"/>
+              </a:solidFill>
+              <a:latin typeface="HY견고딕" panose="02030600000101010101" pitchFamily="18" charset="-127"/>
+              <a:ea typeface="HY견고딕" panose="02030600000101010101" pitchFamily="18" charset="-127"/>
+            </a:endParaRPr>
+          </a:p>
+          <a:p>
+            <a:pPr>
+              <a:lnSpc>
+                <a:spcPct val="150000"/>
+              </a:lnSpc>
+              <a:buFont typeface="Arial" panose="020B0604020202020204" pitchFamily="34" charset="0"/>
+              <a:buChar char="•"/>
+            </a:pPr>
+            <a:r>
+              <a:rPr lang="ko-KR" altLang="en-US" b="1" dirty="0">
+                <a:solidFill>
+                  <a:schemeClr val="bg1"/>
+                </a:solidFill>
+                <a:latin typeface="HY견고딕" panose="02030600000101010101" pitchFamily="18" charset="-127"/>
+                <a:ea typeface="HY견고딕" panose="02030600000101010101" pitchFamily="18" charset="-127"/>
+              </a:rPr>
+              <a:t>최상위 파이프라인</a:t>
+            </a:r>
+            <a:endParaRPr lang="en-US" altLang="ko-KR" b="1" dirty="0">
+              <a:solidFill>
+                <a:schemeClr val="bg1"/>
+              </a:solidFill>
+              <a:latin typeface="HY견고딕" panose="02030600000101010101" pitchFamily="18" charset="-127"/>
+              <a:ea typeface="HY견고딕" panose="02030600000101010101" pitchFamily="18" charset="-127"/>
+            </a:endParaRPr>
+          </a:p>
+          <a:p>
+            <a:pPr>
+              <a:lnSpc>
+                <a:spcPct val="150000"/>
+              </a:lnSpc>
+              <a:buFont typeface="Arial" panose="020B0604020202020204" pitchFamily="34" charset="0"/>
+              <a:buChar char="•"/>
+            </a:pPr>
+            <a:r>
+              <a:rPr lang="ko-KR" altLang="en-US" b="1" dirty="0">
+                <a:solidFill>
+                  <a:schemeClr val="bg1"/>
+                </a:solidFill>
+                <a:latin typeface="HY견고딕" panose="02030600000101010101" pitchFamily="18" charset="-127"/>
+                <a:ea typeface="HY견고딕" panose="02030600000101010101" pitchFamily="18" charset="-127"/>
+              </a:rPr>
+              <a:t>내부적으로 “</a:t>
+            </a:r>
+            <a:r>
+              <a:rPr lang="en-US" altLang="ko-KR" b="1" dirty="0">
+                <a:solidFill>
+                  <a:schemeClr val="bg1"/>
+                </a:solidFill>
+                <a:latin typeface="HY견고딕" panose="02030600000101010101" pitchFamily="18" charset="-127"/>
+                <a:ea typeface="HY견고딕" panose="02030600000101010101" pitchFamily="18" charset="-127"/>
+              </a:rPr>
+              <a:t>(</a:t>
+            </a:r>
+            <a:r>
+              <a:rPr lang="ko-KR" altLang="en-US" b="1" dirty="0">
+                <a:solidFill>
+                  <a:schemeClr val="bg1"/>
+                </a:solidFill>
+                <a:latin typeface="HY견고딕" panose="02030600000101010101" pitchFamily="18" charset="-127"/>
+                <a:ea typeface="HY견고딕" panose="02030600000101010101" pitchFamily="18" charset="-127"/>
+              </a:rPr>
+              <a:t>필요시</a:t>
+            </a:r>
+            <a:r>
+              <a:rPr lang="en-US" altLang="ko-KR" b="1" dirty="0">
+                <a:solidFill>
+                  <a:schemeClr val="bg1"/>
+                </a:solidFill>
+                <a:latin typeface="HY견고딕" panose="02030600000101010101" pitchFamily="18" charset="-127"/>
+                <a:ea typeface="HY견고딕" panose="02030600000101010101" pitchFamily="18" charset="-127"/>
+              </a:rPr>
+              <a:t>) </a:t>
+            </a:r>
+            <a:r>
+              <a:rPr lang="ko-KR" altLang="en-US" b="1" dirty="0">
+                <a:solidFill>
+                  <a:schemeClr val="bg1"/>
+                </a:solidFill>
+                <a:latin typeface="HY견고딕" panose="02030600000101010101" pitchFamily="18" charset="-127"/>
+                <a:ea typeface="HY견고딕" panose="02030600000101010101" pitchFamily="18" charset="-127"/>
+              </a:rPr>
+              <a:t>질문 정제 → 검색</a:t>
+            </a:r>
+            <a:r>
+              <a:rPr lang="en-US" altLang="ko-KR" b="1" dirty="0">
+                <a:solidFill>
+                  <a:schemeClr val="bg1"/>
+                </a:solidFill>
+                <a:latin typeface="HY견고딕" panose="02030600000101010101" pitchFamily="18" charset="-127"/>
+                <a:ea typeface="HY견고딕" panose="02030600000101010101" pitchFamily="18" charset="-127"/>
+              </a:rPr>
+              <a:t>/</a:t>
+            </a:r>
+            <a:r>
+              <a:rPr lang="ko-KR" altLang="en-US" b="1" dirty="0" err="1">
+                <a:solidFill>
+                  <a:schemeClr val="bg1"/>
+                </a:solidFill>
+                <a:latin typeface="HY견고딕" panose="02030600000101010101" pitchFamily="18" charset="-127"/>
+                <a:ea typeface="HY견고딕" panose="02030600000101010101" pitchFamily="18" charset="-127"/>
+              </a:rPr>
+              <a:t>임베딩</a:t>
+            </a:r>
+            <a:r>
+              <a:rPr lang="ko-KR" altLang="en-US" b="1" dirty="0">
+                <a:solidFill>
+                  <a:schemeClr val="bg1"/>
+                </a:solidFill>
+                <a:latin typeface="HY견고딕" panose="02030600000101010101" pitchFamily="18" charset="-127"/>
+                <a:ea typeface="HY견고딕" panose="02030600000101010101" pitchFamily="18" charset="-127"/>
+              </a:rPr>
+              <a:t> 검색 → 문서 결합 → 답변 생성” 순서로 진행</a:t>
+            </a:r>
+          </a:p>
+        </p:txBody>
+      </p:sp>
+    </p:spTree>
+    <p:extLst>
+      <p:ext uri="{BB962C8B-B14F-4D97-AF65-F5344CB8AC3E}">
+        <p14:creationId xmlns:p14="http://schemas.microsoft.com/office/powerpoint/2010/main" val="2317368806"/>
+      </p:ext>
+    </p:extLst>
+  </p:cSld>
+  <p:clrMapOvr>
+    <a:masterClrMapping/>
+  </p:clrMapOvr>
+  <mc:AlternateContent xmlns:mc="http://schemas.openxmlformats.org/markup-compatibility/2006" xmlns:p159="http://schemas.microsoft.com/office/powerpoint/2015/09/main">
+    <mc:Choice Requires="p159">
+      <p:transition xmlns:p14="http://schemas.microsoft.com/office/powerpoint/2010/main" spd="slow" p14:dur="2000">
+        <p159:morph option="byObject"/>
+      </p:transition>
+    </mc:Choice>
+    <mc:Fallback xmlns="">
+      <p:transition spd="slow">
+        <p:fade/>
+      </p:transition>
+    </mc:Fallback>
+  </mc:AlternateContent>
+</p:sld>
+</file>
+
+<file path=ppt/slides/slide38.xml><?xml version="1.0" encoding="utf-8"?>
+<p:sld xmlns:a="http://schemas.openxmlformats.org/drawingml/2006/main" xmlns:r="http://schemas.openxmlformats.org/officeDocument/2006/relationships" xmlns:p="http://schemas.openxmlformats.org/presentationml/2006/main">
+  <p:cSld>
+    <p:bg>
+      <p:bgPr>
+        <a:solidFill>
+          <a:schemeClr val="tx1"/>
+        </a:solidFill>
+        <a:effectLst/>
+      </p:bgPr>
+    </p:bg>
+    <p:spTree>
+      <p:nvGrpSpPr>
+        <p:cNvPr id="1" name="">
+          <a:extLst>
+            <a:ext uri="{FF2B5EF4-FFF2-40B4-BE49-F238E27FC236}">
               <a16:creationId xmlns:a16="http://schemas.microsoft.com/office/drawing/2014/main" id="{668B1B7D-E6AB-31B3-0827-26F38FD639DD}"/>
             </a:ext>
           </a:extLst>
@@ -14056,7 +15567,7 @@
 </p:sld>
 </file>
 
-<file path=ppt/slides/slide36.xml><?xml version="1.0" encoding="utf-8"?>
+<file path=ppt/slides/slide39.xml><?xml version="1.0" encoding="utf-8"?>
 <p:sld xmlns:a="http://schemas.openxmlformats.org/drawingml/2006/main" xmlns:r="http://schemas.openxmlformats.org/officeDocument/2006/relationships" xmlns:p="http://schemas.openxmlformats.org/presentationml/2006/main">
   <p:cSld>
     <p:bg>
@@ -14849,6 +16360,144 @@
     </mc:Choice>
     <mc:Fallback xmlns="">
       <p:transition spd="med">
+        <p:fade/>
+      </p:transition>
+    </mc:Fallback>
+  </mc:AlternateContent>
+</p:sld>
+</file>
+
+<file path=ppt/slides/slide40.xml><?xml version="1.0" encoding="utf-8"?>
+<p:sld xmlns:a="http://schemas.openxmlformats.org/drawingml/2006/main" xmlns:r="http://schemas.openxmlformats.org/officeDocument/2006/relationships" xmlns:p="http://schemas.openxmlformats.org/presentationml/2006/main">
+  <p:cSld>
+    <p:spTree>
+      <p:nvGrpSpPr>
+        <p:cNvPr id="1" name="">
+          <a:extLst>
+            <a:ext uri="{FF2B5EF4-FFF2-40B4-BE49-F238E27FC236}">
+              <a16:creationId xmlns:a16="http://schemas.microsoft.com/office/drawing/2014/main" id="{2FA1ACC0-D704-897A-2148-048F4CA47909}"/>
+            </a:ext>
+          </a:extLst>
+        </p:cNvPr>
+        <p:cNvGrpSpPr/>
+        <p:nvPr/>
+      </p:nvGrpSpPr>
+      <p:grpSpPr>
+        <a:xfrm>
+          <a:off x="0" y="0"/>
+          <a:ext cx="0" cy="0"/>
+          <a:chOff x="0" y="0"/>
+          <a:chExt cx="0" cy="0"/>
+        </a:xfrm>
+      </p:grpSpPr>
+      <p:sp>
+        <p:nvSpPr>
+          <p:cNvPr id="5" name="AutoShape 2" descr="오보에(앨범) - 나무위키">
+            <a:extLst>
+              <a:ext uri="{FF2B5EF4-FFF2-40B4-BE49-F238E27FC236}">
+                <a16:creationId xmlns:a16="http://schemas.microsoft.com/office/drawing/2014/main" id="{A68DE54F-4FAE-63E1-096D-2706E2C28E52}"/>
+              </a:ext>
+            </a:extLst>
+          </p:cNvPr>
+          <p:cNvSpPr>
+            <a:spLocks noChangeAspect="1" noChangeArrowheads="1"/>
+          </p:cNvSpPr>
+          <p:nvPr/>
+        </p:nvSpPr>
+        <p:spPr bwMode="auto">
+          <a:xfrm>
+            <a:off x="5943600" y="3276600"/>
+            <a:ext cx="2946400" cy="2946400"/>
+          </a:xfrm>
+          <a:prstGeom prst="rect">
+            <a:avLst/>
+          </a:prstGeom>
+          <a:noFill/>
+          <a:extLst>
+            <a:ext uri="{909E8E84-426E-40DD-AFC4-6F175D3DCCD1}">
+              <a14:hiddenFill xmlns:a14="http://schemas.microsoft.com/office/drawing/2010/main">
+                <a:solidFill>
+                  <a:srgbClr val="FFFFFF"/>
+                </a:solidFill>
+              </a14:hiddenFill>
+            </a:ext>
+          </a:extLst>
+        </p:spPr>
+        <p:txBody>
+          <a:bodyPr vert="horz" wrap="square" lIns="91440" tIns="45720" rIns="91440" bIns="45720" numCol="1" anchor="t" anchorCtr="0" compatLnSpc="1">
+            <a:prstTxWarp prst="textNoShape">
+              <a:avLst/>
+            </a:prstTxWarp>
+          </a:bodyPr>
+          <a:lstStyle/>
+          <a:p>
+            <a:endParaRPr lang="ko-KR" altLang="en-US"/>
+          </a:p>
+        </p:txBody>
+      </p:sp>
+      <p:sp>
+        <p:nvSpPr>
+          <p:cNvPr id="2" name="AutoShape 2" descr="오보에(앨범) - 나무위키">
+            <a:extLst>
+              <a:ext uri="{FF2B5EF4-FFF2-40B4-BE49-F238E27FC236}">
+                <a16:creationId xmlns:a16="http://schemas.microsoft.com/office/drawing/2014/main" id="{8BE41A2D-2880-C45A-21EA-B12580AEDC74}"/>
+              </a:ext>
+            </a:extLst>
+          </p:cNvPr>
+          <p:cNvSpPr>
+            <a:spLocks noChangeAspect="1" noChangeArrowheads="1"/>
+          </p:cNvSpPr>
+          <p:nvPr/>
+        </p:nvSpPr>
+        <p:spPr bwMode="auto">
+          <a:xfrm>
+            <a:off x="5943600" y="3276600"/>
+            <a:ext cx="304800" cy="304800"/>
+          </a:xfrm>
+          <a:prstGeom prst="rect">
+            <a:avLst/>
+          </a:prstGeom>
+          <a:noFill/>
+          <a:extLst>
+            <a:ext uri="{909E8E84-426E-40DD-AFC4-6F175D3DCCD1}">
+              <a14:hiddenFill xmlns:a14="http://schemas.microsoft.com/office/drawing/2010/main">
+                <a:solidFill>
+                  <a:srgbClr val="FFFFFF"/>
+                </a:solidFill>
+              </a14:hiddenFill>
+            </a:ext>
+          </a:extLst>
+        </p:spPr>
+        <p:txBody>
+          <a:bodyPr vert="horz" wrap="square" lIns="91440" tIns="45720" rIns="91440" bIns="45720" numCol="1" anchor="t" anchorCtr="0" compatLnSpc="1">
+            <a:prstTxWarp prst="textNoShape">
+              <a:avLst/>
+            </a:prstTxWarp>
+          </a:bodyPr>
+          <a:lstStyle/>
+          <a:p>
+            <a:endParaRPr lang="ko-KR" altLang="en-US"/>
+          </a:p>
+        </p:txBody>
+      </p:sp>
+    </p:spTree>
+    <p:extLst>
+      <p:ext uri="{BB962C8B-B14F-4D97-AF65-F5344CB8AC3E}">
+        <p14:creationId xmlns:p14="http://schemas.microsoft.com/office/powerpoint/2010/main" val="760599913"/>
+      </p:ext>
+    </p:extLst>
+  </p:cSld>
+  <p:clrMapOvr>
+    <a:masterClrMapping/>
+  </p:clrMapOvr>
+  <mc:AlternateContent xmlns:mc="http://schemas.openxmlformats.org/markup-compatibility/2006" xmlns:p159="http://schemas.microsoft.com/office/powerpoint/2015/09/main">
+    <mc:Choice Requires="p159">
+      <p:transition xmlns:p14="http://schemas.microsoft.com/office/powerpoint/2010/main" spd="slow" p14:dur="2000">
+        <p159:morph option="byObject"/>
+      </p:transition>
+    </mc:Choice>
+    <mc:Fallback xmlns="">
+      <p:transition spd="slow">
         <p:fade/>
       </p:transition>
     </mc:Fallback>
